--- a/day 3/SAC_Training Day 3.pptx
+++ b/day 3/SAC_Training Day 3.pptx
@@ -6,7 +6,7 @@
     <p:sldMasterId id="2147483660" r:id="rId2"/>
   </p:sldMasterIdLst>
   <p:notesMasterIdLst>
-    <p:notesMasterId r:id="rId14"/>
+    <p:notesMasterId r:id="rId13"/>
   </p:notesMasterIdLst>
   <p:sldIdLst>
     <p:sldId id="256" r:id="rId3"/>
@@ -15,11 +15,10 @@
     <p:sldId id="424" r:id="rId6"/>
     <p:sldId id="476" r:id="rId7"/>
     <p:sldId id="425" r:id="rId8"/>
-    <p:sldId id="422" r:id="rId9"/>
-    <p:sldId id="462" r:id="rId10"/>
-    <p:sldId id="475" r:id="rId11"/>
-    <p:sldId id="399" r:id="rId12"/>
-    <p:sldId id="409" r:id="rId13"/>
+    <p:sldId id="462" r:id="rId9"/>
+    <p:sldId id="475" r:id="rId10"/>
+    <p:sldId id="399" r:id="rId11"/>
+    <p:sldId id="409" r:id="rId12"/>
   </p:sldIdLst>
   <p:sldSz cx="12192000" cy="6858000"/>
   <p:notesSz cx="6858000" cy="9144000"/>
@@ -208,7 +207,7 @@
           <a:p>
             <a:fld id="{4AF2A06D-4991-4208-8C88-4E8BAD69A8B8}" type="datetimeFigureOut">
               <a:rPr lang="en-US" smtClean="0"/>
-              <a:t>12/6/2020</a:t>
+              <a:t>12/11/2020</a:t>
             </a:fld>
             <a:endParaRPr lang="en-US"/>
           </a:p>
@@ -671,7 +670,7 @@
                 <a:tabLst/>
                 <a:defRPr/>
               </a:pPr>
-              <a:t>11</a:t>
+              <a:t>10</a:t>
             </a:fld>
             <a:endParaRPr kumimoji="0" lang="en-US" sz="1200" b="0" i="0" u="none" strike="noStrike" kern="1200" cap="none" spc="0" normalizeH="0" baseline="0" noProof="0">
               <a:ln>
@@ -832,7 +831,7 @@
           <a:p>
             <a:fld id="{E26E0DA5-0C76-4851-AA82-0B75261F9EB4}" type="datetimeFigureOut">
               <a:rPr lang="en-US" smtClean="0"/>
-              <a:t>12/6/2020</a:t>
+              <a:t>12/11/2020</a:t>
             </a:fld>
             <a:endParaRPr lang="en-US"/>
           </a:p>
@@ -1000,7 +999,7 @@
           <a:p>
             <a:fld id="{E26E0DA5-0C76-4851-AA82-0B75261F9EB4}" type="datetimeFigureOut">
               <a:rPr lang="en-US" smtClean="0"/>
-              <a:t>12/6/2020</a:t>
+              <a:t>12/11/2020</a:t>
             </a:fld>
             <a:endParaRPr lang="en-US"/>
           </a:p>
@@ -1178,7 +1177,7 @@
           <a:p>
             <a:fld id="{E26E0DA5-0C76-4851-AA82-0B75261F9EB4}" type="datetimeFigureOut">
               <a:rPr lang="en-US" smtClean="0"/>
-              <a:t>12/6/2020</a:t>
+              <a:t>12/11/2020</a:t>
             </a:fld>
             <a:endParaRPr lang="en-US"/>
           </a:p>
@@ -1505,7 +1504,7 @@
             <a:fld id="{9578D6DB-6798-42D2-B9AD-FC6F1C72FC30}" type="datetimeFigureOut">
               <a:rPr lang="en-US" smtClean="0"/>
               <a:pPr/>
-              <a:t>12/6/2020</a:t>
+              <a:t>12/11/2020</a:t>
             </a:fld>
             <a:endParaRPr lang="en-US"/>
           </a:p>
@@ -1747,7 +1746,7 @@
             <a:fld id="{425404F2-BE9A-4460-8815-8F645183555F}" type="datetimeFigureOut">
               <a:rPr lang="en-US" smtClean="0"/>
               <a:pPr/>
-              <a:t>12/6/2020</a:t>
+              <a:t>12/11/2020</a:t>
             </a:fld>
             <a:endParaRPr lang="en-US"/>
           </a:p>
@@ -1875,7 +1874,7 @@
             <a:fld id="{425404F2-BE9A-4460-8815-8F645183555F}" type="datetimeFigureOut">
               <a:rPr lang="en-US" smtClean="0"/>
               <a:pPr/>
-              <a:t>12/6/2020</a:t>
+              <a:t>12/11/2020</a:t>
             </a:fld>
             <a:endParaRPr lang="en-US"/>
           </a:p>
@@ -2125,7 +2124,7 @@
             <a:fld id="{425404F2-BE9A-4460-8815-8F645183555F}" type="datetimeFigureOut">
               <a:rPr lang="en-US" smtClean="0"/>
               <a:pPr/>
-              <a:t>12/6/2020</a:t>
+              <a:t>12/11/2020</a:t>
             </a:fld>
             <a:endParaRPr lang="en-US"/>
           </a:p>
@@ -2295,7 +2294,7 @@
             <a:fld id="{425404F2-BE9A-4460-8815-8F645183555F}" type="datetimeFigureOut">
               <a:rPr lang="en-US" smtClean="0"/>
               <a:pPr/>
-              <a:t>12/6/2020</a:t>
+              <a:t>12/11/2020</a:t>
             </a:fld>
             <a:endParaRPr lang="en-US"/>
           </a:p>
@@ -2582,7 +2581,7 @@
             <a:fld id="{425404F2-BE9A-4460-8815-8F645183555F}" type="datetimeFigureOut">
               <a:rPr lang="en-US" smtClean="0"/>
               <a:pPr/>
-              <a:t>12/6/2020</a:t>
+              <a:t>12/11/2020</a:t>
             </a:fld>
             <a:endParaRPr lang="en-US"/>
           </a:p>
@@ -3003,7 +3002,7 @@
             <a:fld id="{425404F2-BE9A-4460-8815-8F645183555F}" type="datetimeFigureOut">
               <a:rPr lang="en-US" smtClean="0"/>
               <a:pPr/>
-              <a:t>12/6/2020</a:t>
+              <a:t>12/11/2020</a:t>
             </a:fld>
             <a:endParaRPr lang="en-US"/>
           </a:p>
@@ -3128,7 +3127,7 @@
             <a:fld id="{425404F2-BE9A-4460-8815-8F645183555F}" type="datetimeFigureOut">
               <a:rPr lang="en-US" smtClean="0"/>
               <a:pPr/>
-              <a:t>12/6/2020</a:t>
+              <a:t>12/11/2020</a:t>
             </a:fld>
             <a:endParaRPr lang="en-US"/>
           </a:p>
@@ -3354,7 +3353,7 @@
           <a:p>
             <a:fld id="{E26E0DA5-0C76-4851-AA82-0B75261F9EB4}" type="datetimeFigureOut">
               <a:rPr lang="en-US" smtClean="0"/>
-              <a:t>12/6/2020</a:t>
+              <a:t>12/11/2020</a:t>
             </a:fld>
             <a:endParaRPr lang="en-US"/>
           </a:p>
@@ -3478,7 +3477,7 @@
             <a:fld id="{425404F2-BE9A-4460-8815-8F645183555F}" type="datetimeFigureOut">
               <a:rPr lang="en-US" smtClean="0"/>
               <a:pPr/>
-              <a:t>12/6/2020</a:t>
+              <a:t>12/11/2020</a:t>
             </a:fld>
             <a:endParaRPr lang="en-US"/>
           </a:p>
@@ -4025,7 +4024,7 @@
             <a:fld id="{425404F2-BE9A-4460-8815-8F645183555F}" type="datetimeFigureOut">
               <a:rPr lang="en-US" smtClean="0"/>
               <a:pPr/>
-              <a:t>12/6/2020</a:t>
+              <a:t>12/11/2020</a:t>
             </a:fld>
             <a:endParaRPr lang="en-US"/>
           </a:p>
@@ -4173,7 +4172,7 @@
             <a:fld id="{425404F2-BE9A-4460-8815-8F645183555F}" type="datetimeFigureOut">
               <a:rPr lang="en-US" smtClean="0"/>
               <a:pPr/>
-              <a:t>12/6/2020</a:t>
+              <a:t>12/11/2020</a:t>
             </a:fld>
             <a:endParaRPr lang="en-US"/>
           </a:p>
@@ -4406,7 +4405,7 @@
             <a:fld id="{425404F2-BE9A-4460-8815-8F645183555F}" type="datetimeFigureOut">
               <a:rPr lang="en-US" smtClean="0"/>
               <a:pPr/>
-              <a:t>12/6/2020</a:t>
+              <a:t>12/11/2020</a:t>
             </a:fld>
             <a:endParaRPr lang="en-US"/>
           </a:p>
@@ -4644,7 +4643,7 @@
             <a:fld id="{425404F2-BE9A-4460-8815-8F645183555F}" type="datetimeFigureOut">
               <a:rPr lang="en-US" smtClean="0"/>
               <a:pPr/>
-              <a:t>12/6/2020</a:t>
+              <a:t>12/11/2020</a:t>
             </a:fld>
             <a:endParaRPr lang="en-US"/>
           </a:p>
@@ -4826,7 +4825,7 @@
             <a:fld id="{425404F2-BE9A-4460-8815-8F645183555F}" type="datetimeFigureOut">
               <a:rPr lang="en-US" smtClean="0"/>
               <a:pPr/>
-              <a:t>12/6/2020</a:t>
+              <a:t>12/11/2020</a:t>
             </a:fld>
             <a:endParaRPr lang="en-US"/>
           </a:p>
@@ -5103,7 +5102,7 @@
             <a:fld id="{425404F2-BE9A-4460-8815-8F645183555F}" type="datetimeFigureOut">
               <a:rPr lang="en-US" smtClean="0"/>
               <a:pPr/>
-              <a:t>12/6/2020</a:t>
+              <a:t>12/11/2020</a:t>
             </a:fld>
             <a:endParaRPr lang="en-US"/>
           </a:p>
@@ -5357,7 +5356,7 @@
             <a:fld id="{425404F2-BE9A-4460-8815-8F645183555F}" type="datetimeFigureOut">
               <a:rPr lang="en-US" smtClean="0"/>
               <a:pPr/>
-              <a:t>12/6/2020</a:t>
+              <a:t>12/11/2020</a:t>
             </a:fld>
             <a:endParaRPr lang="en-US"/>
           </a:p>
@@ -5527,7 +5526,7 @@
             <a:fld id="{425404F2-BE9A-4460-8815-8F645183555F}" type="datetimeFigureOut">
               <a:rPr lang="en-US" smtClean="0"/>
               <a:pPr/>
-              <a:t>12/6/2020</a:t>
+              <a:t>12/11/2020</a:t>
             </a:fld>
             <a:endParaRPr lang="en-US"/>
           </a:p>
@@ -5707,7 +5706,7 @@
             <a:fld id="{425404F2-BE9A-4460-8815-8F645183555F}" type="datetimeFigureOut">
               <a:rPr lang="en-US" smtClean="0"/>
               <a:pPr/>
-              <a:t>12/6/2020</a:t>
+              <a:t>12/11/2020</a:t>
             </a:fld>
             <a:endParaRPr lang="en-US"/>
           </a:p>
@@ -5953,7 +5952,7 @@
           <a:p>
             <a:fld id="{E26E0DA5-0C76-4851-AA82-0B75261F9EB4}" type="datetimeFigureOut">
               <a:rPr lang="en-US" smtClean="0"/>
-              <a:t>12/6/2020</a:t>
+              <a:t>12/11/2020</a:t>
             </a:fld>
             <a:endParaRPr lang="en-US"/>
           </a:p>
@@ -6182,7 +6181,7 @@
           <a:p>
             <a:fld id="{E26E0DA5-0C76-4851-AA82-0B75261F9EB4}" type="datetimeFigureOut">
               <a:rPr lang="en-US" smtClean="0"/>
-              <a:t>12/6/2020</a:t>
+              <a:t>12/11/2020</a:t>
             </a:fld>
             <a:endParaRPr lang="en-US"/>
           </a:p>
@@ -6546,7 +6545,7 @@
           <a:p>
             <a:fld id="{E26E0DA5-0C76-4851-AA82-0B75261F9EB4}" type="datetimeFigureOut">
               <a:rPr lang="en-US" smtClean="0"/>
-              <a:t>12/6/2020</a:t>
+              <a:t>12/11/2020</a:t>
             </a:fld>
             <a:endParaRPr lang="en-US"/>
           </a:p>
@@ -6663,7 +6662,7 @@
           <a:p>
             <a:fld id="{E26E0DA5-0C76-4851-AA82-0B75261F9EB4}" type="datetimeFigureOut">
               <a:rPr lang="en-US" smtClean="0"/>
-              <a:t>12/6/2020</a:t>
+              <a:t>12/11/2020</a:t>
             </a:fld>
             <a:endParaRPr lang="en-US"/>
           </a:p>
@@ -6758,7 +6757,7 @@
           <a:p>
             <a:fld id="{E26E0DA5-0C76-4851-AA82-0B75261F9EB4}" type="datetimeFigureOut">
               <a:rPr lang="en-US" smtClean="0"/>
-              <a:t>12/6/2020</a:t>
+              <a:t>12/11/2020</a:t>
             </a:fld>
             <a:endParaRPr lang="en-US"/>
           </a:p>
@@ -7033,7 +7032,7 @@
           <a:p>
             <a:fld id="{E26E0DA5-0C76-4851-AA82-0B75261F9EB4}" type="datetimeFigureOut">
               <a:rPr lang="en-US" smtClean="0"/>
-              <a:t>12/6/2020</a:t>
+              <a:t>12/11/2020</a:t>
             </a:fld>
             <a:endParaRPr lang="en-US"/>
           </a:p>
@@ -7285,7 +7284,7 @@
           <a:p>
             <a:fld id="{E26E0DA5-0C76-4851-AA82-0B75261F9EB4}" type="datetimeFigureOut">
               <a:rPr lang="en-US" smtClean="0"/>
-              <a:t>12/6/2020</a:t>
+              <a:t>12/11/2020</a:t>
             </a:fld>
             <a:endParaRPr lang="en-US"/>
           </a:p>
@@ -7496,7 +7495,7 @@
           <a:p>
             <a:fld id="{E26E0DA5-0C76-4851-AA82-0B75261F9EB4}" type="datetimeFigureOut">
               <a:rPr lang="en-US" smtClean="0"/>
-              <a:t>12/6/2020</a:t>
+              <a:t>12/11/2020</a:t>
             </a:fld>
             <a:endParaRPr lang="en-US"/>
           </a:p>
@@ -8053,7 +8052,7 @@
             <a:fld id="{425404F2-BE9A-4460-8815-8F645183555F}" type="datetimeFigureOut">
               <a:rPr lang="en-US" smtClean="0"/>
               <a:pPr/>
-              <a:t>12/6/2020</a:t>
+              <a:t>12/11/2020</a:t>
             </a:fld>
             <a:endParaRPr lang="en-US"/>
           </a:p>
@@ -8676,116 +8675,6 @@
 <file path=ppt/slides/slide10.xml><?xml version="1.0" encoding="utf-8"?>
 <p:sld xmlns:a="http://schemas.openxmlformats.org/drawingml/2006/main" xmlns:r="http://schemas.openxmlformats.org/officeDocument/2006/relationships" xmlns:p="http://schemas.openxmlformats.org/presentationml/2006/main">
   <p:cSld>
-    <p:spTree>
-      <p:nvGrpSpPr>
-        <p:cNvPr id="1" name=""/>
-        <p:cNvGrpSpPr/>
-        <p:nvPr/>
-      </p:nvGrpSpPr>
-      <p:grpSpPr>
-        <a:xfrm>
-          <a:off x="0" y="0"/>
-          <a:ext cx="0" cy="0"/>
-          <a:chOff x="0" y="0"/>
-          <a:chExt cx="0" cy="0"/>
-        </a:xfrm>
-      </p:grpSpPr>
-      <p:pic>
-        <p:nvPicPr>
-          <p:cNvPr id="1028" name="Picture 4" descr="Free Vector | Flat people with question marks background">
-            <a:extLst>
-              <a:ext uri="{FF2B5EF4-FFF2-40B4-BE49-F238E27FC236}">
-                <a16:creationId xmlns:a16="http://schemas.microsoft.com/office/drawing/2014/main" id="{E158EC70-4769-4E41-A278-C90EC4E480C7}"/>
-              </a:ext>
-            </a:extLst>
-          </p:cNvPr>
-          <p:cNvPicPr>
-            <a:picLocks noChangeAspect="1" noChangeArrowheads="1"/>
-          </p:cNvPicPr>
-          <p:nvPr/>
-        </p:nvPicPr>
-        <p:blipFill rotWithShape="1">
-          <a:blip r:embed="rId2">
-            <a:extLst>
-              <a:ext uri="{28A0092B-C50C-407E-A947-70E740481C1C}">
-                <a14:useLocalDpi xmlns:a14="http://schemas.microsoft.com/office/drawing/2010/main" val="0"/>
-              </a:ext>
-            </a:extLst>
-          </a:blip>
-          <a:srcRect t="1" b="22246"/>
-          <a:stretch/>
-        </p:blipFill>
-        <p:spPr bwMode="auto">
-          <a:xfrm>
-            <a:off x="1848418" y="639706"/>
-            <a:ext cx="7599507" cy="5908876"/>
-          </a:xfrm>
-          <a:prstGeom prst="rect">
-            <a:avLst/>
-          </a:prstGeom>
-          <a:noFill/>
-          <a:extLst>
-            <a:ext uri="{909E8E84-426E-40DD-AFC4-6F175D3DCCD1}">
-              <a14:hiddenFill xmlns:a14="http://schemas.microsoft.com/office/drawing/2010/main">
-                <a:solidFill>
-                  <a:srgbClr val="FFFFFF"/>
-                </a:solidFill>
-              </a14:hiddenFill>
-            </a:ext>
-          </a:extLst>
-        </p:spPr>
-      </p:pic>
-      <p:sp>
-        <p:nvSpPr>
-          <p:cNvPr id="2" name="TextBox 1">
-            <a:extLst>
-              <a:ext uri="{FF2B5EF4-FFF2-40B4-BE49-F238E27FC236}">
-                <a16:creationId xmlns:a16="http://schemas.microsoft.com/office/drawing/2014/main" id="{994C3DB2-D47E-4B94-804B-87AF1FDEF86E}"/>
-              </a:ext>
-            </a:extLst>
-          </p:cNvPr>
-          <p:cNvSpPr txBox="1"/>
-          <p:nvPr/>
-        </p:nvSpPr>
-        <p:spPr>
-          <a:xfrm>
-            <a:off x="4535055" y="1052946"/>
-            <a:ext cx="5588000" cy="769441"/>
-          </a:xfrm>
-          <a:prstGeom prst="rect">
-            <a:avLst/>
-          </a:prstGeom>
-          <a:noFill/>
-        </p:spPr>
-        <p:txBody>
-          <a:bodyPr wrap="square" rtlCol="0">
-            <a:spAutoFit/>
-          </a:bodyPr>
-          <a:lstStyle/>
-          <a:p>
-            <a:r>
-              <a:rPr lang="en-US" sz="4400" b="1" dirty="0"/>
-              <a:t>Questions</a:t>
-            </a:r>
-          </a:p>
-        </p:txBody>
-      </p:sp>
-    </p:spTree>
-    <p:extLst>
-      <p:ext uri="{BB962C8B-B14F-4D97-AF65-F5344CB8AC3E}">
-        <p14:creationId xmlns:p14="http://schemas.microsoft.com/office/powerpoint/2010/main" val="1308118299"/>
-      </p:ext>
-    </p:extLst>
-  </p:cSld>
-  <p:clrMapOvr>
-    <a:masterClrMapping/>
-  </p:clrMapOvr>
-</p:sld>
-</file>
-
-<file path=ppt/slides/slide11.xml><?xml version="1.0" encoding="utf-8"?>
-<p:sld xmlns:a="http://schemas.openxmlformats.org/drawingml/2006/main" xmlns:r="http://schemas.openxmlformats.org/officeDocument/2006/relationships" xmlns:p="http://schemas.openxmlformats.org/presentationml/2006/main">
-  <p:cSld>
     <p:bg>
       <p:bgPr>
         <a:solidFill>
@@ -10994,47 +10883,59 @@
       </p:grpSpPr>
       <p:sp>
         <p:nvSpPr>
-          <p:cNvPr id="11" name="Title 10"/>
-          <p:cNvSpPr>
-            <a:spLocks noGrp="1"/>
-          </p:cNvSpPr>
-          <p:nvPr>
-            <p:ph type="title"/>
-          </p:nvPr>
+          <p:cNvPr id="2" name="Title 3">
+            <a:extLst>
+              <a:ext uri="{FF2B5EF4-FFF2-40B4-BE49-F238E27FC236}">
+                <a16:creationId xmlns:a16="http://schemas.microsoft.com/office/drawing/2014/main" id="{F07FC580-E2AB-4C55-8C95-D5E077A1D127}"/>
+              </a:ext>
+            </a:extLst>
+          </p:cNvPr>
+          <p:cNvSpPr txBox="1">
+            <a:spLocks/>
+          </p:cNvSpPr>
+          <p:nvPr/>
         </p:nvSpPr>
         <p:spPr>
           <a:xfrm>
-            <a:off x="-20279" y="41354"/>
-            <a:ext cx="10969943" cy="711081"/>
+            <a:off x="261764" y="188640"/>
+            <a:ext cx="11292008" cy="711081"/>
           </a:xfrm>
+          <a:prstGeom prst="rect">
+            <a:avLst/>
+          </a:prstGeom>
         </p:spPr>
         <p:txBody>
-          <a:bodyPr>
-            <a:noAutofit/>
-          </a:bodyPr>
-          <a:lstStyle/>
-          <a:p>
-            <a:r>
-              <a:rPr lang="en-IN" dirty="0">
+          <a:bodyPr/>
+          <a:lstStyle>
+            <a:lvl1pPr algn="l" defTabSz="914400" rtl="0" eaLnBrk="1" latinLnBrk="0" hangingPunct="1">
+              <a:lnSpc>
+                <a:spcPct val="90000"/>
+              </a:lnSpc>
+              <a:spcBef>
+                <a:spcPct val="0"/>
+              </a:spcBef>
+              <a:buNone/>
+              <a:defRPr sz="4400" kern="1200">
                 <a:solidFill>
-                  <a:schemeClr val="tx2">
-                    <a:lumMod val="60000"/>
-                    <a:lumOff val="40000"/>
-                  </a:schemeClr>
+                  <a:schemeClr val="tx1"/>
                 </a:solidFill>
-                <a:latin typeface="Patua One" pitchFamily="2" charset="0"/>
-              </a:rPr>
-              <a:t>Standard Practice</a:t>
-            </a:r>
-          </a:p>
-        </p:txBody>
-      </p:sp>
-      <p:sp>
-        <p:nvSpPr>
-          <p:cNvPr id="37" name="TextBox 36">
+                <a:latin typeface="+mj-lt"/>
+                <a:ea typeface="+mj-ea"/>
+                <a:cs typeface="+mj-cs"/>
+              </a:defRPr>
+            </a:lvl1pPr>
+          </a:lstStyle>
+          <a:p>
+            <a:endParaRPr lang="en-US" b="1" dirty="0"/>
+          </a:p>
+        </p:txBody>
+      </p:sp>
+      <p:sp>
+        <p:nvSpPr>
+          <p:cNvPr id="7" name="TextBox 6">
             <a:extLst>
               <a:ext uri="{FF2B5EF4-FFF2-40B4-BE49-F238E27FC236}">
-                <a16:creationId xmlns:a16="http://schemas.microsoft.com/office/drawing/2014/main" id="{E8CAC22F-1542-4031-BC6C-A16989886504}"/>
+                <a16:creationId xmlns:a16="http://schemas.microsoft.com/office/drawing/2014/main" id="{17EB74BE-8011-4153-8F37-3BEF9C1F4CC0}"/>
               </a:ext>
             </a:extLst>
           </p:cNvPr>
@@ -11043,8 +10944,8 @@
         </p:nvSpPr>
         <p:spPr>
           <a:xfrm>
-            <a:off x="4943872" y="6550224"/>
-            <a:ext cx="3456384" cy="307777"/>
+            <a:off x="3512128" y="2507734"/>
+            <a:ext cx="6174508" cy="1323439"/>
           </a:xfrm>
           <a:prstGeom prst="rect">
             <a:avLst/>
@@ -11052,188 +10953,14 @@
           <a:noFill/>
         </p:spPr>
         <p:txBody>
-          <a:bodyPr wrap="square" rtlCol="0">
-            <a:spAutoFit/>
-          </a:bodyPr>
-          <a:lstStyle/>
-          <a:p>
-            <a:pPr defTabSz="1218987">
-              <a:defRPr/>
-            </a:pPr>
-            <a:r>
-              <a:rPr lang="en-US" sz="1400" b="1" dirty="0">
-                <a:solidFill>
-                  <a:prstClr val="black"/>
-                </a:solidFill>
-                <a:latin typeface="Arial Rounded MT Bold" panose="020F0704030504030204" pitchFamily="34" charset="0"/>
-                <a:ea typeface="Arial Unicode MS" panose="020B0604020202020204" pitchFamily="34" charset="-128"/>
-                <a:cs typeface="Arial Unicode MS" panose="020B0604020202020204" pitchFamily="34" charset="-128"/>
-              </a:rPr>
-              <a:t>www.anubhavtrainings.com</a:t>
-            </a:r>
-            <a:endParaRPr lang="en-IN" sz="1400" b="1" dirty="0">
-              <a:solidFill>
-                <a:prstClr val="black"/>
-              </a:solidFill>
-              <a:latin typeface="Arial Rounded MT Bold" panose="020F0704030504030204" pitchFamily="34" charset="0"/>
-              <a:ea typeface="Arial Unicode MS" panose="020B0604020202020204" pitchFamily="34" charset="-128"/>
-              <a:cs typeface="Arial Unicode MS" panose="020B0604020202020204" pitchFamily="34" charset="-128"/>
-            </a:endParaRPr>
-          </a:p>
-        </p:txBody>
-      </p:sp>
-      <p:pic>
-        <p:nvPicPr>
-          <p:cNvPr id="40" name="Picture 39">
-            <a:extLst>
-              <a:ext uri="{FF2B5EF4-FFF2-40B4-BE49-F238E27FC236}">
-                <a16:creationId xmlns:a16="http://schemas.microsoft.com/office/drawing/2014/main" id="{DA60E6FB-8C44-4FEB-B6E9-83DA908565CD}"/>
-              </a:ext>
-            </a:extLst>
-          </p:cNvPr>
-          <p:cNvPicPr>
-            <a:picLocks noChangeAspect="1"/>
-          </p:cNvPicPr>
-          <p:nvPr/>
-        </p:nvPicPr>
-        <p:blipFill>
-          <a:blip r:embed="rId2">
-            <a:extLst>
-              <a:ext uri="{28A0092B-C50C-407E-A947-70E740481C1C}">
-                <a14:useLocalDpi xmlns:a14="http://schemas.microsoft.com/office/drawing/2010/main" val="0"/>
-              </a:ext>
-            </a:extLst>
-          </a:blip>
-          <a:stretch>
-            <a:fillRect/>
-          </a:stretch>
-        </p:blipFill>
-        <p:spPr>
-          <a:xfrm>
-            <a:off x="9624393" y="106009"/>
-            <a:ext cx="2335203" cy="762895"/>
-          </a:xfrm>
-          <a:prstGeom prst="rect">
-            <a:avLst/>
-          </a:prstGeom>
-        </p:spPr>
-      </p:pic>
-      <p:cxnSp>
-        <p:nvCxnSpPr>
-          <p:cNvPr id="41" name="Straight Connector 40">
-            <a:extLst>
-              <a:ext uri="{FF2B5EF4-FFF2-40B4-BE49-F238E27FC236}">
-                <a16:creationId xmlns:a16="http://schemas.microsoft.com/office/drawing/2014/main" id="{3B3B7D73-CAE9-45AC-ACCE-FAEF4E505C7A}"/>
-              </a:ext>
-            </a:extLst>
-          </p:cNvPr>
-          <p:cNvCxnSpPr/>
-          <p:nvPr/>
-        </p:nvCxnSpPr>
-        <p:spPr>
-          <a:xfrm>
-            <a:off x="1588" y="764704"/>
-            <a:ext cx="6479584" cy="0"/>
-          </a:xfrm>
-          <a:prstGeom prst="line">
-            <a:avLst/>
-          </a:prstGeom>
-        </p:spPr>
-        <p:style>
-          <a:lnRef idx="2">
-            <a:schemeClr val="accent6"/>
-          </a:lnRef>
-          <a:fillRef idx="0">
-            <a:schemeClr val="accent6"/>
-          </a:fillRef>
-          <a:effectRef idx="1">
-            <a:schemeClr val="accent6"/>
-          </a:effectRef>
-          <a:fontRef idx="minor">
-            <a:schemeClr val="tx1"/>
-          </a:fontRef>
-        </p:style>
-      </p:cxnSp>
-      <p:sp>
-        <p:nvSpPr>
-          <p:cNvPr id="2" name="TextBox 1">
-            <a:extLst>
-              <a:ext uri="{FF2B5EF4-FFF2-40B4-BE49-F238E27FC236}">
-                <a16:creationId xmlns:a16="http://schemas.microsoft.com/office/drawing/2014/main" id="{C64096A4-ACF5-4B89-84C0-06BEDE6C22A2}"/>
-              </a:ext>
-            </a:extLst>
-          </p:cNvPr>
-          <p:cNvSpPr txBox="1"/>
-          <p:nvPr/>
-        </p:nvSpPr>
-        <p:spPr>
-          <a:xfrm>
-            <a:off x="152400" y="990600"/>
-            <a:ext cx="11963400" cy="1569660"/>
-          </a:xfrm>
-          <a:prstGeom prst="rect">
-            <a:avLst/>
-          </a:prstGeom>
-          <a:noFill/>
-        </p:spPr>
-        <p:txBody>
-          <a:bodyPr wrap="square" rtlCol="0">
-            <a:spAutoFit/>
-          </a:bodyPr>
-          <a:lstStyle/>
-          <a:p>
-            <a:pPr marL="342900" indent="-342900">
-              <a:buFont typeface="Arial" panose="020B0604020202020204" pitchFamily="34" charset="0"/>
-              <a:buChar char="•"/>
-            </a:pPr>
-            <a:r>
-              <a:rPr lang="en-US" sz="2400" dirty="0"/>
-              <a:t>The pre-requisite to make sure that our design is a good dashboard with accuracy, it depends on input data. </a:t>
-            </a:r>
-          </a:p>
-          <a:p>
-            <a:pPr marL="342900" indent="-342900">
-              <a:buFont typeface="Arial" panose="020B0604020202020204" pitchFamily="34" charset="0"/>
-              <a:buChar char="•"/>
-            </a:pPr>
-            <a:r>
-              <a:rPr lang="en-US" sz="2400" dirty="0"/>
-              <a:t>In case the data has anomalies (blank, errors) You can use data wrangling to correct it but remember that we should ask the source to correct as much as possible.</a:t>
-            </a:r>
-          </a:p>
-        </p:txBody>
-      </p:sp>
-      <p:sp>
-        <p:nvSpPr>
-          <p:cNvPr id="136" name="TextBox 135">
-            <a:extLst>
-              <a:ext uri="{FF2B5EF4-FFF2-40B4-BE49-F238E27FC236}">
-                <a16:creationId xmlns:a16="http://schemas.microsoft.com/office/drawing/2014/main" id="{CABA582B-59ED-49F2-A08E-9E0857A8D8D7}"/>
-              </a:ext>
-            </a:extLst>
-          </p:cNvPr>
-          <p:cNvSpPr txBox="1"/>
-          <p:nvPr/>
-        </p:nvSpPr>
-        <p:spPr>
-          <a:xfrm>
-            <a:off x="152400" y="2745305"/>
-            <a:ext cx="11828082" cy="369332"/>
-          </a:xfrm>
-          <a:prstGeom prst="rect">
-            <a:avLst/>
-          </a:prstGeom>
-          <a:noFill/>
-        </p:spPr>
-        <p:txBody>
           <a:bodyPr wrap="square">
             <a:spAutoFit/>
           </a:bodyPr>
           <a:lstStyle/>
           <a:p>
             <a:r>
-              <a:rPr lang="en-US" dirty="0"/>
-              <a:t>https://www.rdocumentation.org/packages/wordcloud/versions/2.6/topics/wordcloud</a:t>
+              <a:rPr lang="en-US" sz="8000" b="1" dirty="0"/>
+              <a:t>End of Day 3</a:t>
             </a:r>
           </a:p>
         </p:txBody>
@@ -11241,16 +10968,13 @@
     </p:spTree>
     <p:extLst>
       <p:ext uri="{BB962C8B-B14F-4D97-AF65-F5344CB8AC3E}">
-        <p14:creationId xmlns:p14="http://schemas.microsoft.com/office/powerpoint/2010/main" val="347072501"/>
+        <p14:creationId xmlns:p14="http://schemas.microsoft.com/office/powerpoint/2010/main" val="3867772902"/>
       </p:ext>
     </p:extLst>
   </p:cSld>
   <p:clrMapOvr>
     <a:masterClrMapping/>
   </p:clrMapOvr>
-  <p:transition spd="slow">
-    <p:push dir="u"/>
-  </p:transition>
 </p:sld>
 </file>
 
@@ -11273,92 +10997,58 @@
       </p:grpSpPr>
       <p:sp>
         <p:nvSpPr>
-          <p:cNvPr id="2" name="Title 3">
+          <p:cNvPr id="2" name="Title 1">
             <a:extLst>
               <a:ext uri="{FF2B5EF4-FFF2-40B4-BE49-F238E27FC236}">
-                <a16:creationId xmlns:a16="http://schemas.microsoft.com/office/drawing/2014/main" id="{F07FC580-E2AB-4C55-8C95-D5E077A1D127}"/>
+                <a16:creationId xmlns:a16="http://schemas.microsoft.com/office/drawing/2014/main" id="{29CB9E00-0397-4178-9E57-32DC82D3A8F7}"/>
               </a:ext>
             </a:extLst>
           </p:cNvPr>
-          <p:cNvSpPr txBox="1">
-            <a:spLocks/>
-          </p:cNvSpPr>
-          <p:nvPr/>
-        </p:nvSpPr>
-        <p:spPr>
-          <a:xfrm>
-            <a:off x="261764" y="188640"/>
-            <a:ext cx="11292008" cy="711081"/>
-          </a:xfrm>
-          <a:prstGeom prst="rect">
-            <a:avLst/>
-          </a:prstGeom>
-        </p:spPr>
-        <p:txBody>
-          <a:bodyPr/>
-          <a:lstStyle>
-            <a:lvl1pPr algn="l" defTabSz="914400" rtl="0" eaLnBrk="1" latinLnBrk="0" hangingPunct="1">
-              <a:lnSpc>
-                <a:spcPct val="90000"/>
-              </a:lnSpc>
-              <a:spcBef>
-                <a:spcPct val="0"/>
-              </a:spcBef>
-              <a:buNone/>
-              <a:defRPr sz="4400" kern="1200">
-                <a:solidFill>
-                  <a:schemeClr val="tx1"/>
-                </a:solidFill>
-                <a:latin typeface="+mj-lt"/>
-                <a:ea typeface="+mj-ea"/>
-                <a:cs typeface="+mj-cs"/>
-              </a:defRPr>
-            </a:lvl1pPr>
-          </a:lstStyle>
-          <a:p>
-            <a:endParaRPr lang="en-US" b="1" dirty="0"/>
-          </a:p>
-        </p:txBody>
-      </p:sp>
-      <p:sp>
-        <p:nvSpPr>
-          <p:cNvPr id="7" name="TextBox 6">
+          <p:cNvSpPr>
+            <a:spLocks noGrp="1"/>
+          </p:cNvSpPr>
+          <p:nvPr>
+            <p:ph type="title"/>
+          </p:nvPr>
+        </p:nvSpPr>
+        <p:spPr/>
+        <p:txBody>
+          <a:bodyPr/>
+          <a:lstStyle/>
+          <a:p>
+            <a:endParaRPr lang="en-US"/>
+          </a:p>
+        </p:txBody>
+      </p:sp>
+      <p:sp>
+        <p:nvSpPr>
+          <p:cNvPr id="3" name="Content Placeholder 2">
             <a:extLst>
               <a:ext uri="{FF2B5EF4-FFF2-40B4-BE49-F238E27FC236}">
-                <a16:creationId xmlns:a16="http://schemas.microsoft.com/office/drawing/2014/main" id="{17EB74BE-8011-4153-8F37-3BEF9C1F4CC0}"/>
+                <a16:creationId xmlns:a16="http://schemas.microsoft.com/office/drawing/2014/main" id="{73A078A5-4F35-4958-8384-CBBBD3DED2C3}"/>
               </a:ext>
             </a:extLst>
           </p:cNvPr>
-          <p:cNvSpPr txBox="1"/>
-          <p:nvPr/>
-        </p:nvSpPr>
-        <p:spPr>
-          <a:xfrm>
-            <a:off x="3512128" y="2507734"/>
-            <a:ext cx="6174508" cy="1323439"/>
-          </a:xfrm>
-          <a:prstGeom prst="rect">
-            <a:avLst/>
-          </a:prstGeom>
-          <a:noFill/>
-        </p:spPr>
-        <p:txBody>
-          <a:bodyPr wrap="square">
-            <a:spAutoFit/>
-          </a:bodyPr>
-          <a:lstStyle/>
-          <a:p>
-            <a:r>
-              <a:rPr lang="en-US" sz="8000" b="1" dirty="0"/>
-              <a:t>End of Day 3</a:t>
-            </a:r>
+          <p:cNvSpPr>
+            <a:spLocks noGrp="1"/>
+          </p:cNvSpPr>
+          <p:nvPr>
+            <p:ph sz="quarter" idx="13"/>
+          </p:nvPr>
+        </p:nvSpPr>
+        <p:spPr/>
+        <p:txBody>
+          <a:bodyPr/>
+          <a:lstStyle/>
+          <a:p>
+            <a:endParaRPr lang="en-US"/>
           </a:p>
         </p:txBody>
       </p:sp>
     </p:spTree>
     <p:extLst>
       <p:ext uri="{BB962C8B-B14F-4D97-AF65-F5344CB8AC3E}">
-        <p14:creationId xmlns:p14="http://schemas.microsoft.com/office/powerpoint/2010/main" val="3867772902"/>
+        <p14:creationId xmlns:p14="http://schemas.microsoft.com/office/powerpoint/2010/main" val="3265325021"/>
       </p:ext>
     </p:extLst>
   </p:cSld>
@@ -11385,60 +11075,90 @@
           <a:chExt cx="0" cy="0"/>
         </a:xfrm>
       </p:grpSpPr>
-      <p:sp>
-        <p:nvSpPr>
-          <p:cNvPr id="2" name="Title 1">
+      <p:pic>
+        <p:nvPicPr>
+          <p:cNvPr id="1028" name="Picture 4" descr="Free Vector | Flat people with question marks background">
             <a:extLst>
               <a:ext uri="{FF2B5EF4-FFF2-40B4-BE49-F238E27FC236}">
-                <a16:creationId xmlns:a16="http://schemas.microsoft.com/office/drawing/2014/main" id="{29CB9E00-0397-4178-9E57-32DC82D3A8F7}"/>
+                <a16:creationId xmlns:a16="http://schemas.microsoft.com/office/drawing/2014/main" id="{E158EC70-4769-4E41-A278-C90EC4E480C7}"/>
               </a:ext>
             </a:extLst>
           </p:cNvPr>
-          <p:cNvSpPr>
-            <a:spLocks noGrp="1"/>
-          </p:cNvSpPr>
-          <p:nvPr>
-            <p:ph type="title"/>
-          </p:nvPr>
-        </p:nvSpPr>
-        <p:spPr/>
-        <p:txBody>
-          <a:bodyPr/>
-          <a:lstStyle/>
-          <a:p>
-            <a:endParaRPr lang="en-US"/>
-          </a:p>
-        </p:txBody>
-      </p:sp>
-      <p:sp>
-        <p:nvSpPr>
-          <p:cNvPr id="3" name="Content Placeholder 2">
+          <p:cNvPicPr>
+            <a:picLocks noChangeAspect="1" noChangeArrowheads="1"/>
+          </p:cNvPicPr>
+          <p:nvPr/>
+        </p:nvPicPr>
+        <p:blipFill rotWithShape="1">
+          <a:blip r:embed="rId2">
+            <a:extLst>
+              <a:ext uri="{28A0092B-C50C-407E-A947-70E740481C1C}">
+                <a14:useLocalDpi xmlns:a14="http://schemas.microsoft.com/office/drawing/2010/main" val="0"/>
+              </a:ext>
+            </a:extLst>
+          </a:blip>
+          <a:srcRect t="1" b="22246"/>
+          <a:stretch/>
+        </p:blipFill>
+        <p:spPr bwMode="auto">
+          <a:xfrm>
+            <a:off x="1848418" y="639706"/>
+            <a:ext cx="7599507" cy="5908876"/>
+          </a:xfrm>
+          <a:prstGeom prst="rect">
+            <a:avLst/>
+          </a:prstGeom>
+          <a:noFill/>
+          <a:extLst>
+            <a:ext uri="{909E8E84-426E-40DD-AFC4-6F175D3DCCD1}">
+              <a14:hiddenFill xmlns:a14="http://schemas.microsoft.com/office/drawing/2010/main">
+                <a:solidFill>
+                  <a:srgbClr val="FFFFFF"/>
+                </a:solidFill>
+              </a14:hiddenFill>
+            </a:ext>
+          </a:extLst>
+        </p:spPr>
+      </p:pic>
+      <p:sp>
+        <p:nvSpPr>
+          <p:cNvPr id="2" name="TextBox 1">
             <a:extLst>
               <a:ext uri="{FF2B5EF4-FFF2-40B4-BE49-F238E27FC236}">
-                <a16:creationId xmlns:a16="http://schemas.microsoft.com/office/drawing/2014/main" id="{73A078A5-4F35-4958-8384-CBBBD3DED2C3}"/>
+                <a16:creationId xmlns:a16="http://schemas.microsoft.com/office/drawing/2014/main" id="{994C3DB2-D47E-4B94-804B-87AF1FDEF86E}"/>
               </a:ext>
             </a:extLst>
           </p:cNvPr>
-          <p:cNvSpPr>
-            <a:spLocks noGrp="1"/>
-          </p:cNvSpPr>
-          <p:nvPr>
-            <p:ph sz="quarter" idx="13"/>
-          </p:nvPr>
-        </p:nvSpPr>
-        <p:spPr/>
-        <p:txBody>
-          <a:bodyPr/>
-          <a:lstStyle/>
-          <a:p>
-            <a:endParaRPr lang="en-US"/>
+          <p:cNvSpPr txBox="1"/>
+          <p:nvPr/>
+        </p:nvSpPr>
+        <p:spPr>
+          <a:xfrm>
+            <a:off x="4535055" y="1052946"/>
+            <a:ext cx="5588000" cy="769441"/>
+          </a:xfrm>
+          <a:prstGeom prst="rect">
+            <a:avLst/>
+          </a:prstGeom>
+          <a:noFill/>
+        </p:spPr>
+        <p:txBody>
+          <a:bodyPr wrap="square" rtlCol="0">
+            <a:spAutoFit/>
+          </a:bodyPr>
+          <a:lstStyle/>
+          <a:p>
+            <a:r>
+              <a:rPr lang="en-US" sz="4400" b="1" dirty="0"/>
+              <a:t>Questions</a:t>
+            </a:r>
           </a:p>
         </p:txBody>
       </p:sp>
     </p:spTree>
     <p:extLst>
       <p:ext uri="{BB962C8B-B14F-4D97-AF65-F5344CB8AC3E}">
-        <p14:creationId xmlns:p14="http://schemas.microsoft.com/office/powerpoint/2010/main" val="3265325021"/>
+        <p14:creationId xmlns:p14="http://schemas.microsoft.com/office/powerpoint/2010/main" val="1308118299"/>
       </p:ext>
     </p:extLst>
   </p:cSld>
